--- a/R Project/R_Project_NT.pptx
+++ b/R Project/R_Project_NT.pptx
@@ -5,15 +5,16 @@
     <p:sldMasterId id="2147483648" r:id="rId4"/>
   </p:sldMasterIdLst>
   <p:notesMasterIdLst>
-    <p:notesMasterId r:id="rId11"/>
+    <p:notesMasterId r:id="rId12"/>
   </p:notesMasterIdLst>
   <p:sldIdLst>
     <p:sldId id="256" r:id="rId5"/>
     <p:sldId id="258" r:id="rId6"/>
     <p:sldId id="276" r:id="rId7"/>
-    <p:sldId id="278" r:id="rId8"/>
-    <p:sldId id="267" r:id="rId9"/>
-    <p:sldId id="275" r:id="rId10"/>
+    <p:sldId id="279" r:id="rId8"/>
+    <p:sldId id="278" r:id="rId9"/>
+    <p:sldId id="267" r:id="rId10"/>
+    <p:sldId id="275" r:id="rId11"/>
   </p:sldIdLst>
   <p:sldSz cx="12192000" cy="6858000"/>
   <p:notesSz cx="6858000" cy="9144000"/>
@@ -214,7 +215,7 @@
           <a:p>
             <a:fld id="{7487ADD9-2083-264C-A652-8D52D02F7E72}" type="datetimeFigureOut">
               <a:rPr lang="en-US" smtClean="0"/>
-              <a:t>8/5/2023</a:t>
+              <a:t>8/6/2023</a:t>
             </a:fld>
             <a:endParaRPr lang="en-US" dirty="0"/>
           </a:p>
@@ -738,7 +739,7 @@
           <a:p>
             <a:fld id="{F97DC217-DF71-1A49-B3EA-559F1F43B0FF}" type="slidenum">
               <a:rPr lang="en-US" smtClean="0"/>
-              <a:t>4</a:t>
+              <a:t>5</a:t>
             </a:fld>
             <a:endParaRPr lang="en-US" dirty="0"/>
           </a:p>
@@ -825,7 +826,7 @@
           <a:p>
             <a:fld id="{F97DC217-DF71-1A49-B3EA-559F1F43B0FF}" type="slidenum">
               <a:rPr lang="en-US" smtClean="0"/>
-              <a:t>5</a:t>
+              <a:t>6</a:t>
             </a:fld>
             <a:endParaRPr lang="en-US" dirty="0"/>
           </a:p>
@@ -2234,7 +2235,7 @@
             <a:fld id="{5F02DCD1-2C6B-F948-9F72-3BB0CF3D512E}" type="datetime1">
               <a:rPr lang="en-US" smtClean="0"/>
               <a:pPr/>
-              <a:t>8/5/2023</a:t>
+              <a:t>8/6/2023</a:t>
             </a:fld>
             <a:endParaRPr lang="en-US" dirty="0"/>
           </a:p>
@@ -3119,7 +3120,7 @@
             <a:fld id="{C1583C39-01BF-7F43-854C-FBB4E9AB6B0C}" type="datetime1">
               <a:rPr lang="en-US" smtClean="0"/>
               <a:pPr/>
-              <a:t>8/5/2023</a:t>
+              <a:t>8/6/2023</a:t>
             </a:fld>
             <a:endParaRPr lang="en-US" dirty="0"/>
           </a:p>
@@ -4296,7 +4297,7 @@
             <a:fld id="{4B103E64-1627-9140-8127-1849FED275E1}" type="datetime1">
               <a:rPr lang="en-US" smtClean="0"/>
               <a:pPr/>
-              <a:t>8/5/2023</a:t>
+              <a:t>8/6/2023</a:t>
             </a:fld>
             <a:endParaRPr lang="en-US" dirty="0"/>
           </a:p>
@@ -6376,7 +6377,7 @@
             <a:fld id="{DD9C8446-696E-6942-B6C8-CC9CAD0B34E0}" type="datetime1">
               <a:rPr lang="en-US" smtClean="0"/>
               <a:pPr/>
-              <a:t>8/5/2023</a:t>
+              <a:t>8/6/2023</a:t>
             </a:fld>
             <a:endParaRPr lang="en-US" dirty="0"/>
           </a:p>
@@ -7094,7 +7095,7 @@
             <a:fld id="{F5592931-05C6-8543-8B6E-A8BD29BD5C2B}" type="datetime1">
               <a:rPr lang="en-US" smtClean="0"/>
               <a:pPr/>
-              <a:t>8/5/2023</a:t>
+              <a:t>8/6/2023</a:t>
             </a:fld>
             <a:endParaRPr lang="en-US" dirty="0"/>
           </a:p>
@@ -8322,7 +8323,7 @@
             <a:fld id="{7E7AB22C-8B7E-9B4A-8C65-396C3C874D86}" type="datetime1">
               <a:rPr lang="en-US" smtClean="0"/>
               <a:pPr/>
-              <a:t>8/5/2023</a:t>
+              <a:t>8/6/2023</a:t>
             </a:fld>
             <a:endParaRPr lang="en-US" dirty="0"/>
           </a:p>
@@ -8914,7 +8915,7 @@
             <a:fld id="{8CE9AC2A-20AD-8C48-B5EB-B5322BDBCDEE}" type="datetime1">
               <a:rPr lang="en-US" smtClean="0"/>
               <a:pPr/>
-              <a:t>8/5/2023</a:t>
+              <a:t>8/6/2023</a:t>
             </a:fld>
             <a:endParaRPr lang="en-US" dirty="0"/>
           </a:p>
@@ -9387,7 +9388,7 @@
             <a:fld id="{4CF75428-5BE0-934D-BB71-675F8E23A386}" type="datetime1">
               <a:rPr lang="en-US" smtClean="0"/>
               <a:pPr/>
-              <a:t>8/5/2023</a:t>
+              <a:t>8/6/2023</a:t>
             </a:fld>
             <a:endParaRPr lang="en-US" dirty="0"/>
           </a:p>
@@ -10237,7 +10238,7 @@
             <a:fld id="{9A85C5CA-AE29-AB4C-8F85-0373C72001D8}" type="datetime1">
               <a:rPr lang="en-US" smtClean="0"/>
               <a:pPr/>
-              <a:t>8/5/2023</a:t>
+              <a:t>8/6/2023</a:t>
             </a:fld>
             <a:endParaRPr lang="en-US" dirty="0"/>
           </a:p>
@@ -12462,7 +12463,7 @@
             <a:fld id="{75594855-01E8-5A4B-B2B8-E2ECEF879100}" type="datetime1">
               <a:rPr lang="en-US" smtClean="0"/>
               <a:pPr/>
-              <a:t>8/5/2023</a:t>
+              <a:t>8/6/2023</a:t>
             </a:fld>
             <a:endParaRPr lang="en-US" dirty="0"/>
           </a:p>
@@ -12731,7 +12732,7 @@
             <a:fld id="{B562DF68-3089-814D-8A14-C651FE91885E}" type="datetime1">
               <a:rPr lang="en-US" smtClean="0"/>
               <a:pPr/>
-              <a:t>8/5/2023</a:t>
+              <a:t>8/6/2023</a:t>
             </a:fld>
             <a:endParaRPr lang="en-US" dirty="0"/>
           </a:p>
@@ -13489,7 +13490,7 @@
             <a:fld id="{E1707CF3-9BC4-A745-ACDA-A73543D800FE}" type="datetime1">
               <a:rPr lang="en-US" smtClean="0"/>
               <a:pPr/>
-              <a:t>8/5/2023</a:t>
+              <a:t>8/6/2023</a:t>
             </a:fld>
             <a:endParaRPr lang="en-US" dirty="0"/>
           </a:p>
@@ -13603,10 +13604,10 @@
       </p:grpSpPr>
       <p:pic>
         <p:nvPicPr>
-          <p:cNvPr id="10" name="Picture 9">
-            <a:extLst>
-              <a:ext uri="{FF2B5EF4-FFF2-40B4-BE49-F238E27FC236}">
-                <a16:creationId xmlns:a16="http://schemas.microsoft.com/office/drawing/2014/main" id="{B607969D-2530-76A6-CD78-42E3EBB40F86}"/>
+          <p:cNvPr id="7" name="Picture 6">
+            <a:extLst>
+              <a:ext uri="{FF2B5EF4-FFF2-40B4-BE49-F238E27FC236}">
+                <a16:creationId xmlns:a16="http://schemas.microsoft.com/office/drawing/2014/main" id="{0F5C5E11-BCB3-2A5B-F2BC-768CA883A4E5}"/>
               </a:ext>
             </a:extLst>
           </p:cNvPr>
@@ -13623,38 +13624,8 @@
         </p:blipFill>
         <p:spPr>
           <a:xfrm>
-            <a:off x="4594083" y="3537366"/>
-            <a:ext cx="3285139" cy="1927371"/>
-          </a:xfrm>
-          <a:prstGeom prst="rect">
-            <a:avLst/>
-          </a:prstGeom>
-        </p:spPr>
-      </p:pic>
-      <p:pic>
-        <p:nvPicPr>
-          <p:cNvPr id="7" name="Picture 6">
-            <a:extLst>
-              <a:ext uri="{FF2B5EF4-FFF2-40B4-BE49-F238E27FC236}">
-                <a16:creationId xmlns:a16="http://schemas.microsoft.com/office/drawing/2014/main" id="{0F5C5E11-BCB3-2A5B-F2BC-768CA883A4E5}"/>
-              </a:ext>
-            </a:extLst>
-          </p:cNvPr>
-          <p:cNvPicPr>
-            <a:picLocks noChangeAspect="1"/>
-          </p:cNvPicPr>
-          <p:nvPr/>
-        </p:nvPicPr>
-        <p:blipFill>
-          <a:blip r:embed="rId4"/>
-          <a:stretch>
-            <a:fillRect/>
-          </a:stretch>
-        </p:blipFill>
-        <p:spPr>
-          <a:xfrm>
-            <a:off x="3539456" y="1026562"/>
-            <a:ext cx="3504775" cy="1823523"/>
+            <a:off x="4932828" y="3517238"/>
+            <a:ext cx="5100691" cy="2653873"/>
           </a:xfrm>
           <a:prstGeom prst="rect">
             <a:avLst/>
@@ -13711,15 +13682,15 @@
           </p:nvPr>
         </p:nvPicPr>
         <p:blipFill>
-          <a:blip r:embed="rId5"/>
+          <a:blip r:embed="rId4"/>
           <a:stretch>
             <a:fillRect/>
           </a:stretch>
         </p:blipFill>
         <p:spPr>
           <a:xfrm>
-            <a:off x="7044231" y="927853"/>
-            <a:ext cx="3902444" cy="1927371"/>
+            <a:off x="5426925" y="778530"/>
+            <a:ext cx="5098899" cy="2518286"/>
           </a:xfrm>
           <a:prstGeom prst="rect">
             <a:avLst/>
@@ -13750,7 +13721,7 @@
             <a:fld id="{7E7AB22C-8B7E-9B4A-8C65-396C3C874D86}" type="datetime1">
               <a:rPr lang="en-US" smtClean="0"/>
               <a:pPr/>
-              <a:t>8/5/2023</a:t>
+              <a:t>8/6/2023</a:t>
             </a:fld>
             <a:endParaRPr lang="en-US" dirty="0"/>
           </a:p>
@@ -13821,10 +13792,10 @@
       </p:sp>
       <p:pic>
         <p:nvPicPr>
-          <p:cNvPr id="9" name="Picture 8">
-            <a:extLst>
-              <a:ext uri="{FF2B5EF4-FFF2-40B4-BE49-F238E27FC236}">
-                <a16:creationId xmlns:a16="http://schemas.microsoft.com/office/drawing/2014/main" id="{D98BFBAB-EE7F-A34B-25CF-865E6B17732A}"/>
+          <p:cNvPr id="12" name="Picture 11">
+            <a:extLst>
+              <a:ext uri="{FF2B5EF4-FFF2-40B4-BE49-F238E27FC236}">
+                <a16:creationId xmlns:a16="http://schemas.microsoft.com/office/drawing/2014/main" id="{52ECF809-773A-98EE-4AD0-C6DD46615E6E}"/>
               </a:ext>
             </a:extLst>
           </p:cNvPr>
@@ -13834,78 +13805,15 @@
           <p:nvPr/>
         </p:nvPicPr>
         <p:blipFill>
-          <a:blip r:embed="rId6"/>
+          <a:blip r:embed="rId5"/>
           <a:stretch>
             <a:fillRect/>
           </a:stretch>
         </p:blipFill>
         <p:spPr>
           <a:xfrm>
-            <a:off x="7879222" y="3547713"/>
-            <a:ext cx="3821627" cy="1928447"/>
-          </a:xfrm>
-          <a:prstGeom prst="rect">
-            <a:avLst/>
-          </a:prstGeom>
-          <a:solidFill>
-            <a:srgbClr val="FFC000"/>
-          </a:solidFill>
-        </p:spPr>
-      </p:pic>
-      <p:pic>
-        <p:nvPicPr>
-          <p:cNvPr id="12" name="Picture 11">
-            <a:extLst>
-              <a:ext uri="{FF2B5EF4-FFF2-40B4-BE49-F238E27FC236}">
-                <a16:creationId xmlns:a16="http://schemas.microsoft.com/office/drawing/2014/main" id="{52ECF809-773A-98EE-4AD0-C6DD46615E6E}"/>
-              </a:ext>
-            </a:extLst>
-          </p:cNvPr>
-          <p:cNvPicPr>
-            <a:picLocks noChangeAspect="1"/>
-          </p:cNvPicPr>
-          <p:nvPr/>
-        </p:nvPicPr>
-        <p:blipFill>
-          <a:blip r:embed="rId7"/>
-          <a:stretch>
-            <a:fillRect/>
-          </a:stretch>
-        </p:blipFill>
-        <p:spPr>
-          <a:xfrm>
-            <a:off x="381000" y="927853"/>
-            <a:ext cx="3158456" cy="1922232"/>
-          </a:xfrm>
-          <a:prstGeom prst="rect">
-            <a:avLst/>
-          </a:prstGeom>
-        </p:spPr>
-      </p:pic>
-      <p:pic>
-        <p:nvPicPr>
-          <p:cNvPr id="13" name="Picture 12">
-            <a:extLst>
-              <a:ext uri="{FF2B5EF4-FFF2-40B4-BE49-F238E27FC236}">
-                <a16:creationId xmlns:a16="http://schemas.microsoft.com/office/drawing/2014/main" id="{56399BC3-73AA-31C8-78E6-388E2B9E0E9A}"/>
-              </a:ext>
-            </a:extLst>
-          </p:cNvPr>
-          <p:cNvPicPr>
-            <a:picLocks noChangeAspect="1"/>
-          </p:cNvPicPr>
-          <p:nvPr/>
-        </p:nvPicPr>
-        <p:blipFill>
-          <a:blip r:embed="rId8"/>
-          <a:stretch>
-            <a:fillRect/>
-          </a:stretch>
-        </p:blipFill>
-        <p:spPr>
-          <a:xfrm>
-            <a:off x="1223738" y="3547712"/>
-            <a:ext cx="3370345" cy="1928448"/>
+            <a:off x="620438" y="1891538"/>
+            <a:ext cx="3968722" cy="2415359"/>
           </a:xfrm>
           <a:prstGeom prst="rect">
             <a:avLst/>
@@ -13947,7 +13855,7 @@
           <p:cNvPr id="2" name="Title 1">
             <a:extLst>
               <a:ext uri="{FF2B5EF4-FFF2-40B4-BE49-F238E27FC236}">
-                <a16:creationId xmlns:a16="http://schemas.microsoft.com/office/drawing/2014/main" id="{E40828E4-3DBD-B7CC-0A36-983F7E4BA6DB}"/>
+                <a16:creationId xmlns:a16="http://schemas.microsoft.com/office/drawing/2014/main" id="{8BD634D1-869C-26DC-0771-3321DA7B5B40}"/>
               </a:ext>
             </a:extLst>
           </p:cNvPr>
@@ -13958,118 +13866,29 @@
             <p:ph type="title"/>
           </p:nvPr>
         </p:nvSpPr>
-        <p:spPr/>
+        <p:spPr>
+          <a:xfrm>
+            <a:off x="1167492" y="381001"/>
+            <a:ext cx="9779183" cy="720012"/>
+          </a:xfrm>
+        </p:spPr>
         <p:txBody>
           <a:bodyPr/>
           <a:lstStyle/>
           <a:p>
-            <a:pPr algn="ctr"/>
             <a:r>
               <a:rPr lang="en-US" dirty="0"/>
-              <a:t>Suggested Salary for Hire</a:t>
-            </a:r>
-          </a:p>
-        </p:txBody>
-      </p:sp>
-      <p:sp>
-        <p:nvSpPr>
-          <p:cNvPr id="4" name="Date Placeholder 3">
-            <a:extLst>
-              <a:ext uri="{FF2B5EF4-FFF2-40B4-BE49-F238E27FC236}">
-                <a16:creationId xmlns:a16="http://schemas.microsoft.com/office/drawing/2014/main" id="{4EABFDE9-BAE8-CF3B-B5BF-6FE2C49E1AA7}"/>
-              </a:ext>
-            </a:extLst>
-          </p:cNvPr>
-          <p:cNvSpPr>
-            <a:spLocks noGrp="1"/>
-          </p:cNvSpPr>
-          <p:nvPr>
-            <p:ph type="dt" sz="half" idx="2"/>
-          </p:nvPr>
-        </p:nvSpPr>
-        <p:spPr/>
-        <p:txBody>
-          <a:bodyPr/>
-          <a:lstStyle/>
-          <a:p>
-            <a:fld id="{7E7AB22C-8B7E-9B4A-8C65-396C3C874D86}" type="datetime1">
-              <a:rPr lang="en-US" smtClean="0"/>
-              <a:pPr/>
-              <a:t>8/5/2023</a:t>
-            </a:fld>
-            <a:endParaRPr lang="en-US" dirty="0"/>
-          </a:p>
-        </p:txBody>
-      </p:sp>
-      <p:sp>
-        <p:nvSpPr>
-          <p:cNvPr id="5" name="Footer Placeholder 4">
-            <a:extLst>
-              <a:ext uri="{FF2B5EF4-FFF2-40B4-BE49-F238E27FC236}">
-                <a16:creationId xmlns:a16="http://schemas.microsoft.com/office/drawing/2014/main" id="{C8624B2E-C6E0-9A95-022D-A07D25C9D8D2}"/>
-              </a:ext>
-            </a:extLst>
-          </p:cNvPr>
-          <p:cNvSpPr>
-            <a:spLocks noGrp="1"/>
-          </p:cNvSpPr>
-          <p:nvPr>
-            <p:ph type="ftr" sz="quarter" idx="3"/>
-          </p:nvPr>
-        </p:nvSpPr>
-        <p:spPr>
-          <a:xfrm>
-            <a:off x="4060247" y="6356349"/>
-            <a:ext cx="4114800" cy="365125"/>
-          </a:xfrm>
-        </p:spPr>
-        <p:txBody>
-          <a:bodyPr/>
-          <a:lstStyle/>
-          <a:p>
-            <a:r>
-              <a:rPr lang="en-US" dirty="0"/>
-              <a:t>Data Science Salary</a:t>
-            </a:r>
-          </a:p>
-        </p:txBody>
-      </p:sp>
-      <p:sp>
-        <p:nvSpPr>
-          <p:cNvPr id="6" name="Slide Number Placeholder 5">
-            <a:extLst>
-              <a:ext uri="{FF2B5EF4-FFF2-40B4-BE49-F238E27FC236}">
-                <a16:creationId xmlns:a16="http://schemas.microsoft.com/office/drawing/2014/main" id="{7A9F9B96-980B-A8C6-2B44-07F6D7FC4171}"/>
-              </a:ext>
-            </a:extLst>
-          </p:cNvPr>
-          <p:cNvSpPr>
-            <a:spLocks noGrp="1"/>
-          </p:cNvSpPr>
-          <p:nvPr>
-            <p:ph type="sldNum" sz="quarter" idx="4"/>
-          </p:nvPr>
-        </p:nvSpPr>
-        <p:spPr/>
-        <p:txBody>
-          <a:bodyPr/>
-          <a:lstStyle/>
-          <a:p>
-            <a:fld id="{294A09A9-5501-47C1-A89A-A340965A2BE2}" type="slidenum">
-              <a:rPr lang="en-US" smtClean="0"/>
-              <a:pPr/>
-              <a:t>4</a:t>
-            </a:fld>
-            <a:endParaRPr lang="en-US" dirty="0"/>
+              <a:t>Data Cleaning</a:t>
+            </a:r>
           </a:p>
         </p:txBody>
       </p:sp>
       <p:pic>
         <p:nvPicPr>
-          <p:cNvPr id="10" name="Content Placeholder 9">
-            <a:extLst>
-              <a:ext uri="{FF2B5EF4-FFF2-40B4-BE49-F238E27FC236}">
-                <a16:creationId xmlns:a16="http://schemas.microsoft.com/office/drawing/2014/main" id="{98FFF474-CF21-18C5-DB44-B37F7D115523}"/>
+          <p:cNvPr id="7" name="Content Placeholder 6">
+            <a:extLst>
+              <a:ext uri="{FF2B5EF4-FFF2-40B4-BE49-F238E27FC236}">
+                <a16:creationId xmlns:a16="http://schemas.microsoft.com/office/drawing/2014/main" id="{466810E0-8094-6E68-027C-DD0D75DC4CA9}"/>
               </a:ext>
             </a:extLst>
           </p:cNvPr>
@@ -14080,15 +13899,164 @@
             <p:ph idx="1"/>
           </p:nvPr>
         </p:nvPicPr>
-        <p:blipFill rotWithShape="1">
+        <p:blipFill>
+          <a:blip r:embed="rId2"/>
+          <a:stretch>
+            <a:fillRect/>
+          </a:stretch>
+        </p:blipFill>
+        <p:spPr>
+          <a:xfrm>
+            <a:off x="548951" y="1650580"/>
+            <a:ext cx="4710794" cy="2691882"/>
+          </a:xfrm>
+          <a:prstGeom prst="rect">
+            <a:avLst/>
+          </a:prstGeom>
+        </p:spPr>
+      </p:pic>
+      <p:sp>
+        <p:nvSpPr>
+          <p:cNvPr id="4" name="Date Placeholder 3">
+            <a:extLst>
+              <a:ext uri="{FF2B5EF4-FFF2-40B4-BE49-F238E27FC236}">
+                <a16:creationId xmlns:a16="http://schemas.microsoft.com/office/drawing/2014/main" id="{E57CF9F2-E68C-E3D5-D896-A6D214F12AAA}"/>
+              </a:ext>
+            </a:extLst>
+          </p:cNvPr>
+          <p:cNvSpPr>
+            <a:spLocks noGrp="1"/>
+          </p:cNvSpPr>
+          <p:nvPr>
+            <p:ph type="dt" sz="half" idx="2"/>
+          </p:nvPr>
+        </p:nvSpPr>
+        <p:spPr/>
+        <p:txBody>
+          <a:bodyPr/>
+          <a:lstStyle/>
+          <a:p>
+            <a:fld id="{7E7AB22C-8B7E-9B4A-8C65-396C3C874D86}" type="datetime1">
+              <a:rPr lang="en-US" smtClean="0"/>
+              <a:pPr/>
+              <a:t>8/6/2023</a:t>
+            </a:fld>
+            <a:endParaRPr lang="en-US" dirty="0"/>
+          </a:p>
+        </p:txBody>
+      </p:sp>
+      <p:sp>
+        <p:nvSpPr>
+          <p:cNvPr id="5" name="Footer Placeholder 4">
+            <a:extLst>
+              <a:ext uri="{FF2B5EF4-FFF2-40B4-BE49-F238E27FC236}">
+                <a16:creationId xmlns:a16="http://schemas.microsoft.com/office/drawing/2014/main" id="{5F230A89-99CC-FC6C-ECF6-A20883EACA11}"/>
+              </a:ext>
+            </a:extLst>
+          </p:cNvPr>
+          <p:cNvSpPr>
+            <a:spLocks noGrp="1"/>
+          </p:cNvSpPr>
+          <p:nvPr>
+            <p:ph type="ftr" sz="quarter" idx="3"/>
+          </p:nvPr>
+        </p:nvSpPr>
+        <p:spPr/>
+        <p:txBody>
+          <a:bodyPr/>
+          <a:lstStyle/>
+          <a:p>
+            <a:r>
+              <a:rPr lang="en-US" dirty="0"/>
+              <a:t>Data Science</a:t>
+            </a:r>
+          </a:p>
+        </p:txBody>
+      </p:sp>
+      <p:sp>
+        <p:nvSpPr>
+          <p:cNvPr id="6" name="Slide Number Placeholder 5">
+            <a:extLst>
+              <a:ext uri="{FF2B5EF4-FFF2-40B4-BE49-F238E27FC236}">
+                <a16:creationId xmlns:a16="http://schemas.microsoft.com/office/drawing/2014/main" id="{D321296C-52ED-D657-FA95-CAAB2A38676A}"/>
+              </a:ext>
+            </a:extLst>
+          </p:cNvPr>
+          <p:cNvSpPr>
+            <a:spLocks noGrp="1"/>
+          </p:cNvSpPr>
+          <p:nvPr>
+            <p:ph type="sldNum" sz="quarter" idx="4"/>
+          </p:nvPr>
+        </p:nvSpPr>
+        <p:spPr/>
+        <p:txBody>
+          <a:bodyPr/>
+          <a:lstStyle/>
+          <a:p>
+            <a:fld id="{294A09A9-5501-47C1-A89A-A340965A2BE2}" type="slidenum">
+              <a:rPr lang="en-US" smtClean="0"/>
+              <a:pPr/>
+              <a:t>4</a:t>
+            </a:fld>
+            <a:endParaRPr lang="en-US" dirty="0"/>
+          </a:p>
+        </p:txBody>
+      </p:sp>
+      <p:pic>
+        <p:nvPicPr>
+          <p:cNvPr id="8" name="Picture 7">
+            <a:extLst>
+              <a:ext uri="{FF2B5EF4-FFF2-40B4-BE49-F238E27FC236}">
+                <a16:creationId xmlns:a16="http://schemas.microsoft.com/office/drawing/2014/main" id="{B4B5ACD6-8AC7-B8F6-0C72-C1ACB05E8BC5}"/>
+              </a:ext>
+            </a:extLst>
+          </p:cNvPr>
+          <p:cNvPicPr>
+            <a:picLocks noChangeAspect="1"/>
+          </p:cNvPicPr>
+          <p:nvPr/>
+        </p:nvPicPr>
+        <p:blipFill>
           <a:blip r:embed="rId3"/>
-          <a:srcRect t="6976" b="15"/>
-          <a:stretch/>
+          <a:stretch>
+            <a:fillRect/>
+          </a:stretch>
         </p:blipFill>
         <p:spPr>
           <a:xfrm>
-            <a:off x="1167492" y="1784304"/>
-            <a:ext cx="10152404" cy="4102592"/>
+            <a:off x="5648081" y="741007"/>
+            <a:ext cx="5010637" cy="2937590"/>
+          </a:xfrm>
+          <a:prstGeom prst="rect">
+            <a:avLst/>
+          </a:prstGeom>
+        </p:spPr>
+      </p:pic>
+      <p:pic>
+        <p:nvPicPr>
+          <p:cNvPr id="9" name="Picture 8">
+            <a:extLst>
+              <a:ext uri="{FF2B5EF4-FFF2-40B4-BE49-F238E27FC236}">
+                <a16:creationId xmlns:a16="http://schemas.microsoft.com/office/drawing/2014/main" id="{FD946974-1B63-A676-D0AD-0BAE19A816AB}"/>
+              </a:ext>
+            </a:extLst>
+          </p:cNvPr>
+          <p:cNvPicPr>
+            <a:picLocks noChangeAspect="1"/>
+          </p:cNvPicPr>
+          <p:nvPr/>
+        </p:nvPicPr>
+        <p:blipFill>
+          <a:blip r:embed="rId4"/>
+          <a:stretch>
+            <a:fillRect/>
+          </a:stretch>
+        </p:blipFill>
+        <p:spPr>
+          <a:xfrm>
+            <a:off x="5259745" y="3874660"/>
+            <a:ext cx="4916260" cy="2481690"/>
           </a:xfrm>
           <a:prstGeom prst="rect">
             <a:avLst/>
@@ -14098,7 +14066,7 @@
     </p:spTree>
     <p:extLst>
       <p:ext uri="{BB962C8B-B14F-4D97-AF65-F5344CB8AC3E}">
-        <p14:creationId xmlns:p14="http://schemas.microsoft.com/office/powerpoint/2010/main" val="2098643624"/>
+        <p14:creationId xmlns:p14="http://schemas.microsoft.com/office/powerpoint/2010/main" val="2370074213"/>
       </p:ext>
     </p:extLst>
   </p:cSld>
@@ -14130,7 +14098,7 @@
           <p:cNvPr id="2" name="Title 1">
             <a:extLst>
               <a:ext uri="{FF2B5EF4-FFF2-40B4-BE49-F238E27FC236}">
-                <a16:creationId xmlns:a16="http://schemas.microsoft.com/office/drawing/2014/main" id="{42D1A202-23A3-4F3A-AA92-0172C8D2DA06}"/>
+                <a16:creationId xmlns:a16="http://schemas.microsoft.com/office/drawing/2014/main" id="{E40828E4-3DBD-B7CC-0A36-983F7E4BA6DB}"/>
               </a:ext>
             </a:extLst>
           </p:cNvPr>
@@ -14141,6 +14109,189 @@
             <p:ph type="title"/>
           </p:nvPr>
         </p:nvSpPr>
+        <p:spPr/>
+        <p:txBody>
+          <a:bodyPr/>
+          <a:lstStyle/>
+          <a:p>
+            <a:pPr algn="ctr"/>
+            <a:r>
+              <a:rPr lang="en-US" dirty="0"/>
+              <a:t>Suggested Salary for Hire</a:t>
+            </a:r>
+          </a:p>
+        </p:txBody>
+      </p:sp>
+      <p:sp>
+        <p:nvSpPr>
+          <p:cNvPr id="4" name="Date Placeholder 3">
+            <a:extLst>
+              <a:ext uri="{FF2B5EF4-FFF2-40B4-BE49-F238E27FC236}">
+                <a16:creationId xmlns:a16="http://schemas.microsoft.com/office/drawing/2014/main" id="{4EABFDE9-BAE8-CF3B-B5BF-6FE2C49E1AA7}"/>
+              </a:ext>
+            </a:extLst>
+          </p:cNvPr>
+          <p:cNvSpPr>
+            <a:spLocks noGrp="1"/>
+          </p:cNvSpPr>
+          <p:nvPr>
+            <p:ph type="dt" sz="half" idx="2"/>
+          </p:nvPr>
+        </p:nvSpPr>
+        <p:spPr/>
+        <p:txBody>
+          <a:bodyPr/>
+          <a:lstStyle/>
+          <a:p>
+            <a:fld id="{7E7AB22C-8B7E-9B4A-8C65-396C3C874D86}" type="datetime1">
+              <a:rPr lang="en-US" smtClean="0"/>
+              <a:pPr/>
+              <a:t>8/6/2023</a:t>
+            </a:fld>
+            <a:endParaRPr lang="en-US" dirty="0"/>
+          </a:p>
+        </p:txBody>
+      </p:sp>
+      <p:sp>
+        <p:nvSpPr>
+          <p:cNvPr id="5" name="Footer Placeholder 4">
+            <a:extLst>
+              <a:ext uri="{FF2B5EF4-FFF2-40B4-BE49-F238E27FC236}">
+                <a16:creationId xmlns:a16="http://schemas.microsoft.com/office/drawing/2014/main" id="{C8624B2E-C6E0-9A95-022D-A07D25C9D8D2}"/>
+              </a:ext>
+            </a:extLst>
+          </p:cNvPr>
+          <p:cNvSpPr>
+            <a:spLocks noGrp="1"/>
+          </p:cNvSpPr>
+          <p:nvPr>
+            <p:ph type="ftr" sz="quarter" idx="3"/>
+          </p:nvPr>
+        </p:nvSpPr>
+        <p:spPr>
+          <a:xfrm>
+            <a:off x="4060247" y="6356349"/>
+            <a:ext cx="4114800" cy="365125"/>
+          </a:xfrm>
+        </p:spPr>
+        <p:txBody>
+          <a:bodyPr/>
+          <a:lstStyle/>
+          <a:p>
+            <a:r>
+              <a:rPr lang="en-US" dirty="0"/>
+              <a:t>Data Science Salary</a:t>
+            </a:r>
+          </a:p>
+        </p:txBody>
+      </p:sp>
+      <p:sp>
+        <p:nvSpPr>
+          <p:cNvPr id="6" name="Slide Number Placeholder 5">
+            <a:extLst>
+              <a:ext uri="{FF2B5EF4-FFF2-40B4-BE49-F238E27FC236}">
+                <a16:creationId xmlns:a16="http://schemas.microsoft.com/office/drawing/2014/main" id="{7A9F9B96-980B-A8C6-2B44-07F6D7FC4171}"/>
+              </a:ext>
+            </a:extLst>
+          </p:cNvPr>
+          <p:cNvSpPr>
+            <a:spLocks noGrp="1"/>
+          </p:cNvSpPr>
+          <p:nvPr>
+            <p:ph type="sldNum" sz="quarter" idx="4"/>
+          </p:nvPr>
+        </p:nvSpPr>
+        <p:spPr/>
+        <p:txBody>
+          <a:bodyPr/>
+          <a:lstStyle/>
+          <a:p>
+            <a:fld id="{294A09A9-5501-47C1-A89A-A340965A2BE2}" type="slidenum">
+              <a:rPr lang="en-US" smtClean="0"/>
+              <a:pPr/>
+              <a:t>5</a:t>
+            </a:fld>
+            <a:endParaRPr lang="en-US" dirty="0"/>
+          </a:p>
+        </p:txBody>
+      </p:sp>
+      <p:pic>
+        <p:nvPicPr>
+          <p:cNvPr id="10" name="Content Placeholder 9">
+            <a:extLst>
+              <a:ext uri="{FF2B5EF4-FFF2-40B4-BE49-F238E27FC236}">
+                <a16:creationId xmlns:a16="http://schemas.microsoft.com/office/drawing/2014/main" id="{98FFF474-CF21-18C5-DB44-B37F7D115523}"/>
+              </a:ext>
+            </a:extLst>
+          </p:cNvPr>
+          <p:cNvPicPr>
+            <a:picLocks noGrp="1" noChangeAspect="1"/>
+          </p:cNvPicPr>
+          <p:nvPr>
+            <p:ph idx="1"/>
+          </p:nvPr>
+        </p:nvPicPr>
+        <p:blipFill rotWithShape="1">
+          <a:blip r:embed="rId3"/>
+          <a:srcRect t="6976" b="15"/>
+          <a:stretch/>
+        </p:blipFill>
+        <p:spPr>
+          <a:xfrm>
+            <a:off x="1167492" y="1784304"/>
+            <a:ext cx="10152404" cy="4102592"/>
+          </a:xfrm>
+          <a:prstGeom prst="rect">
+            <a:avLst/>
+          </a:prstGeom>
+        </p:spPr>
+      </p:pic>
+    </p:spTree>
+    <p:extLst>
+      <p:ext uri="{BB962C8B-B14F-4D97-AF65-F5344CB8AC3E}">
+        <p14:creationId xmlns:p14="http://schemas.microsoft.com/office/powerpoint/2010/main" val="2098643624"/>
+      </p:ext>
+    </p:extLst>
+  </p:cSld>
+  <p:clrMapOvr>
+    <a:masterClrMapping/>
+  </p:clrMapOvr>
+</p:sld>
+</file>
+
+<file path=ppt/slides/slide6.xml><?xml version="1.0" encoding="utf-8"?>
+<p:sld xmlns:a="http://schemas.openxmlformats.org/drawingml/2006/main" xmlns:r="http://schemas.openxmlformats.org/officeDocument/2006/relationships" xmlns:p="http://schemas.openxmlformats.org/presentationml/2006/main">
+  <p:cSld>
+    <p:spTree>
+      <p:nvGrpSpPr>
+        <p:cNvPr id="1" name=""/>
+        <p:cNvGrpSpPr/>
+        <p:nvPr/>
+      </p:nvGrpSpPr>
+      <p:grpSpPr>
+        <a:xfrm>
+          <a:off x="0" y="0"/>
+          <a:ext cx="0" cy="0"/>
+          <a:chOff x="0" y="0"/>
+          <a:chExt cx="0" cy="0"/>
+        </a:xfrm>
+      </p:grpSpPr>
+      <p:sp>
+        <p:nvSpPr>
+          <p:cNvPr id="2" name="Title 1">
+            <a:extLst>
+              <a:ext uri="{FF2B5EF4-FFF2-40B4-BE49-F238E27FC236}">
+                <a16:creationId xmlns:a16="http://schemas.microsoft.com/office/drawing/2014/main" id="{42D1A202-23A3-4F3A-AA92-0172C8D2DA06}"/>
+              </a:ext>
+            </a:extLst>
+          </p:cNvPr>
+          <p:cNvSpPr>
+            <a:spLocks noGrp="1"/>
+          </p:cNvSpPr>
+          <p:nvPr>
+            <p:ph type="title"/>
+          </p:nvPr>
+        </p:nvSpPr>
         <p:spPr>
           <a:xfrm>
             <a:off x="1167492" y="381000"/>
@@ -14320,7 +14471,7 @@
             <a:fld id="{7FA0C2EE-8499-394A-A22C-DABDB4752AEE}" type="datetime1">
               <a:rPr lang="en-US" smtClean="0"/>
               <a:pPr/>
-              <a:t>8/5/2023</a:t>
+              <a:t>8/6/2023</a:t>
             </a:fld>
             <a:endParaRPr lang="en-US" dirty="0"/>
           </a:p>
@@ -14388,7 +14539,7 @@
             <a:fld id="{294A09A9-5501-47C1-A89A-A340965A2BE2}" type="slidenum">
               <a:rPr lang="en-US" smtClean="0"/>
               <a:pPr/>
-              <a:t>5</a:t>
+              <a:t>6</a:t>
             </a:fld>
             <a:endParaRPr lang="en-US" dirty="0"/>
           </a:p>
@@ -14407,7 +14558,7 @@
 </p:sld>
 </file>
 
-<file path=ppt/slides/slide6.xml><?xml version="1.0" encoding="utf-8"?>
+<file path=ppt/slides/slide7.xml><?xml version="1.0" encoding="utf-8"?>
 <p:sld xmlns:a="http://schemas.openxmlformats.org/drawingml/2006/main" xmlns:r="http://schemas.openxmlformats.org/officeDocument/2006/relationships" xmlns:p="http://schemas.openxmlformats.org/presentationml/2006/main">
   <p:cSld>
     <p:spTree>
@@ -15011,6 +15162,34 @@
 </file>
 
 <file path=customXml/item1.xml><?xml version="1.0" encoding="utf-8"?>
+<?mso-contentType ?>
+<FormTemplates xmlns="http://schemas.microsoft.com/sharepoint/v3/contenttype/forms">
+  <Display>DocumentLibraryForm</Display>
+  <Edit>DocumentLibraryForm</Edit>
+  <New>DocumentLibraryForm</New>
+</FormTemplates>
+</file>
+
+<file path=customXml/item2.xml><?xml version="1.0" encoding="utf-8"?>
+<p:properties xmlns:p="http://schemas.microsoft.com/office/2006/metadata/properties" xmlns:xsi="http://www.w3.org/2001/XMLSchema-instance" xmlns:pc="http://schemas.microsoft.com/office/infopath/2007/PartnerControls">
+  <documentManagement>
+    <_ip_UnifiedCompliancePolicyUIAction xmlns="http://schemas.microsoft.com/sharepoint/v3" xsi:nil="true"/>
+    <Image xmlns="71af3243-3dd4-4a8d-8c0d-dd76da1f02a5">
+      <Url xsi:nil="true"/>
+      <Description xsi:nil="true"/>
+    </Image>
+    <Status xmlns="71af3243-3dd4-4a8d-8c0d-dd76da1f02a5">Not started</Status>
+    <_ip_UnifiedCompliancePolicyProperties xmlns="http://schemas.microsoft.com/sharepoint/v3" xsi:nil="true"/>
+    <ImageTagsTaxHTField xmlns="71af3243-3dd4-4a8d-8c0d-dd76da1f02a5">
+      <Terms xmlns="http://schemas.microsoft.com/office/infopath/2007/PartnerControls"/>
+    </ImageTagsTaxHTField>
+    <TaxCatchAll xmlns="230e9df3-be65-4c73-a93b-d1236ebd677e"/>
+    <MediaServiceKeyPoints xmlns="71af3243-3dd4-4a8d-8c0d-dd76da1f02a5" xsi:nil="true"/>
+  </documentManagement>
+</p:properties>
+</file>
+
+<file path=customXml/item3.xml><?xml version="1.0" encoding="utf-8"?>
 <ct:contentTypeSchema xmlns:ct="http://schemas.microsoft.com/office/2006/metadata/contentType" xmlns:ma="http://schemas.microsoft.com/office/2006/metadata/properties/metaAttributes" ct:_="" ma:_="" ma:contentTypeName="Document" ma:contentTypeID="0x01010079F111ED35F8CC479449609E8A0923A6" ma:contentTypeVersion="21" ma:contentTypeDescription="Create a new document." ma:contentTypeScope="" ma:versionID="64dfb1555687e0874b4304b796b5b0c7">
   <xsd:schema xmlns:xsd="http://www.w3.org/2001/XMLSchema" xmlns:xs="http://www.w3.org/2001/XMLSchema" xmlns:p="http://schemas.microsoft.com/office/2006/metadata/properties" xmlns:ns1="http://schemas.microsoft.com/sharepoint/v3" xmlns:ns2="71af3243-3dd4-4a8d-8c0d-dd76da1f02a5" xmlns:ns3="16c05727-aa75-4e4a-9b5f-8a80a1165891" xmlns:ns4="230e9df3-be65-4c73-a93b-d1236ebd677e" targetNamespace="http://schemas.microsoft.com/office/2006/metadata/properties" ma:root="true" ma:fieldsID="e6e4c555b5e194d05b7203de9c4567b3" ns1:_="" ns2:_="" ns3:_="" ns4:_="">
     <xsd:import namespace="http://schemas.microsoft.com/sharepoint/v3"/>
@@ -15292,35 +15471,27 @@
 </ct:contentTypeSchema>
 </file>
 
-<file path=customXml/item2.xml><?xml version="1.0" encoding="utf-8"?>
-<p:properties xmlns:p="http://schemas.microsoft.com/office/2006/metadata/properties" xmlns:xsi="http://www.w3.org/2001/XMLSchema-instance" xmlns:pc="http://schemas.microsoft.com/office/infopath/2007/PartnerControls">
-  <documentManagement>
-    <_ip_UnifiedCompliancePolicyUIAction xmlns="http://schemas.microsoft.com/sharepoint/v3" xsi:nil="true"/>
-    <Image xmlns="71af3243-3dd4-4a8d-8c0d-dd76da1f02a5">
-      <Url xsi:nil="true"/>
-      <Description xsi:nil="true"/>
-    </Image>
-    <Status xmlns="71af3243-3dd4-4a8d-8c0d-dd76da1f02a5">Not started</Status>
-    <_ip_UnifiedCompliancePolicyProperties xmlns="http://schemas.microsoft.com/sharepoint/v3" xsi:nil="true"/>
-    <ImageTagsTaxHTField xmlns="71af3243-3dd4-4a8d-8c0d-dd76da1f02a5">
-      <Terms xmlns="http://schemas.microsoft.com/office/infopath/2007/PartnerControls"/>
-    </ImageTagsTaxHTField>
-    <TaxCatchAll xmlns="230e9df3-be65-4c73-a93b-d1236ebd677e"/>
-    <MediaServiceKeyPoints xmlns="71af3243-3dd4-4a8d-8c0d-dd76da1f02a5" xsi:nil="true"/>
-  </documentManagement>
-</p:properties>
+<file path=customXml/itemProps1.xml><?xml version="1.0" encoding="utf-8"?>
+<ds:datastoreItem xmlns:ds="http://schemas.openxmlformats.org/officeDocument/2006/customXml" ds:itemID="{85334180-0405-413B-834A-44FA9E05ADB7}">
+  <ds:schemaRefs>
+    <ds:schemaRef ds:uri="http://schemas.microsoft.com/sharepoint/v3/contenttype/forms"/>
+  </ds:schemaRefs>
+</ds:datastoreItem>
 </file>
 
-<file path=customXml/item3.xml><?xml version="1.0" encoding="utf-8"?>
-<?mso-contentType ?>
-<FormTemplates xmlns="http://schemas.microsoft.com/sharepoint/v3/contenttype/forms">
-  <Display>DocumentLibraryForm</Display>
-  <Edit>DocumentLibraryForm</Edit>
-  <New>DocumentLibraryForm</New>
-</FormTemplates>
+<file path=customXml/itemProps2.xml><?xml version="1.0" encoding="utf-8"?>
+<ds:datastoreItem xmlns:ds="http://schemas.openxmlformats.org/officeDocument/2006/customXml" ds:itemID="{4D5BAB77-79E1-4739-AA51-10C9079186D6}">
+  <ds:schemaRefs>
+    <ds:schemaRef ds:uri="http://schemas.microsoft.com/office/2006/metadata/properties"/>
+    <ds:schemaRef ds:uri="http://schemas.microsoft.com/office/infopath/2007/PartnerControls"/>
+    <ds:schemaRef ds:uri="http://schemas.microsoft.com/sharepoint/v3"/>
+    <ds:schemaRef ds:uri="71af3243-3dd4-4a8d-8c0d-dd76da1f02a5"/>
+    <ds:schemaRef ds:uri="230e9df3-be65-4c73-a93b-d1236ebd677e"/>
+  </ds:schemaRefs>
+</ds:datastoreItem>
 </file>
 
-<file path=customXml/itemProps1.xml><?xml version="1.0" encoding="utf-8"?>
+<file path=customXml/itemProps3.xml><?xml version="1.0" encoding="utf-8"?>
 <ds:datastoreItem xmlns:ds="http://schemas.openxmlformats.org/officeDocument/2006/customXml" ds:itemID="{4A615295-94F6-4CE2-A1B1-6B7E1DAA5AD6}">
   <ds:schemaRefs>
     <ds:schemaRef ds:uri="http://schemas.microsoft.com/office/2006/metadata/contentType"/>
@@ -15341,26 +15512,6 @@
 </ds:datastoreItem>
 </file>
 
-<file path=customXml/itemProps2.xml><?xml version="1.0" encoding="utf-8"?>
-<ds:datastoreItem xmlns:ds="http://schemas.openxmlformats.org/officeDocument/2006/customXml" ds:itemID="{4D5BAB77-79E1-4739-AA51-10C9079186D6}">
-  <ds:schemaRefs>
-    <ds:schemaRef ds:uri="http://schemas.microsoft.com/office/2006/metadata/properties"/>
-    <ds:schemaRef ds:uri="http://schemas.microsoft.com/office/infopath/2007/PartnerControls"/>
-    <ds:schemaRef ds:uri="http://schemas.microsoft.com/sharepoint/v3"/>
-    <ds:schemaRef ds:uri="71af3243-3dd4-4a8d-8c0d-dd76da1f02a5"/>
-    <ds:schemaRef ds:uri="230e9df3-be65-4c73-a93b-d1236ebd677e"/>
-  </ds:schemaRefs>
-</ds:datastoreItem>
-</file>
-
-<file path=customXml/itemProps3.xml><?xml version="1.0" encoding="utf-8"?>
-<ds:datastoreItem xmlns:ds="http://schemas.openxmlformats.org/officeDocument/2006/customXml" ds:itemID="{85334180-0405-413B-834A-44FA9E05ADB7}">
-  <ds:schemaRefs>
-    <ds:schemaRef ds:uri="http://schemas.microsoft.com/sharepoint/v3/contenttype/forms"/>
-  </ds:schemaRefs>
-</ds:datastoreItem>
-</file>
-
 <file path=docMetadata/LabelInfo.xml><?xml version="1.0" encoding="utf-8"?>
 <clbl:labelList xmlns:clbl="http://schemas.microsoft.com/office/2020/mipLabelMetadata">
   <clbl:label id="{f42aa342-8706-4288-bd11-ebb85995028c}" enabled="1" method="Standard" siteId="{72f988bf-86f1-41af-91ab-2d7cd011db47}" removed="0"/>
